--- a/wk2/Presentation/C# Extension Methods.pptx
+++ b/wk2/Presentation/C# Extension Methods.pptx
@@ -112,6 +112,11 @@
       </a:defRPr>
     </a:lvl9pPr>
   </p:defaultTextStyle>
+  <p:extLst>
+    <p:ext uri="{EFAFB233-063F-42B5-8137-9DF3F51BA10A}">
+      <p15:sldGuideLst xmlns:p15="http://schemas.microsoft.com/office/powerpoint/2012/main"/>
+    </p:ext>
+  </p:extLst>
 </p:presentation>
 </file>
 
@@ -837,7 +842,7 @@
           <a:p>
             <a:fld id="{014B5B4B-B978-4C93-9257-B2DE286DD793}" type="datetimeFigureOut">
               <a:rPr lang="en-US" smtClean="0"/>
-              <a:t>2/16/2023</a:t>
+              <a:t>2/17/2023</a:t>
             </a:fld>
             <a:endParaRPr lang="en-US"/>
           </a:p>
@@ -1088,7 +1093,7 @@
           <a:p>
             <a:fld id="{014B5B4B-B978-4C93-9257-B2DE286DD793}" type="datetimeFigureOut">
               <a:rPr lang="en-US" smtClean="0"/>
-              <a:t>2/16/2023</a:t>
+              <a:t>2/17/2023</a:t>
             </a:fld>
             <a:endParaRPr lang="en-US"/>
           </a:p>
@@ -1402,7 +1407,7 @@
           <a:p>
             <a:fld id="{014B5B4B-B978-4C93-9257-B2DE286DD793}" type="datetimeFigureOut">
               <a:rPr lang="en-US" smtClean="0"/>
-              <a:t>2/16/2023</a:t>
+              <a:t>2/17/2023</a:t>
             </a:fld>
             <a:endParaRPr lang="en-US"/>
           </a:p>
@@ -1743,7 +1748,7 @@
           <a:p>
             <a:fld id="{014B5B4B-B978-4C93-9257-B2DE286DD793}" type="datetimeFigureOut">
               <a:rPr lang="en-US" smtClean="0"/>
-              <a:t>2/16/2023</a:t>
+              <a:t>2/17/2023</a:t>
             </a:fld>
             <a:endParaRPr lang="en-US"/>
           </a:p>
@@ -2057,7 +2062,7 @@
           <a:p>
             <a:fld id="{014B5B4B-B978-4C93-9257-B2DE286DD793}" type="datetimeFigureOut">
               <a:rPr lang="en-US" smtClean="0"/>
-              <a:t>2/16/2023</a:t>
+              <a:t>2/17/2023</a:t>
             </a:fld>
             <a:endParaRPr lang="en-US"/>
           </a:p>
@@ -2450,7 +2455,7 @@
           <a:p>
             <a:fld id="{014B5B4B-B978-4C93-9257-B2DE286DD793}" type="datetimeFigureOut">
               <a:rPr lang="en-US" smtClean="0"/>
-              <a:t>2/16/2023</a:t>
+              <a:t>2/17/2023</a:t>
             </a:fld>
             <a:endParaRPr lang="en-US"/>
           </a:p>
@@ -2620,7 +2625,7 @@
           <a:p>
             <a:fld id="{014B5B4B-B978-4C93-9257-B2DE286DD793}" type="datetimeFigureOut">
               <a:rPr lang="en-US" smtClean="0"/>
-              <a:t>2/16/2023</a:t>
+              <a:t>2/17/2023</a:t>
             </a:fld>
             <a:endParaRPr lang="en-US"/>
           </a:p>
@@ -2800,7 +2805,7 @@
           <a:p>
             <a:fld id="{014B5B4B-B978-4C93-9257-B2DE286DD793}" type="datetimeFigureOut">
               <a:rPr lang="en-US" smtClean="0"/>
-              <a:t>2/16/2023</a:t>
+              <a:t>2/17/2023</a:t>
             </a:fld>
             <a:endParaRPr lang="en-US"/>
           </a:p>
@@ -2976,7 +2981,7 @@
           <a:p>
             <a:fld id="{014B5B4B-B978-4C93-9257-B2DE286DD793}" type="datetimeFigureOut">
               <a:rPr lang="en-US" smtClean="0"/>
-              <a:t>2/16/2023</a:t>
+              <a:t>2/17/2023</a:t>
             </a:fld>
             <a:endParaRPr lang="en-US"/>
           </a:p>
@@ -3223,7 +3228,7 @@
           <a:p>
             <a:fld id="{014B5B4B-B978-4C93-9257-B2DE286DD793}" type="datetimeFigureOut">
               <a:rPr lang="en-US" smtClean="0"/>
-              <a:t>2/16/2023</a:t>
+              <a:t>2/17/2023</a:t>
             </a:fld>
             <a:endParaRPr lang="en-US"/>
           </a:p>
@@ -3455,7 +3460,7 @@
           <a:p>
             <a:fld id="{014B5B4B-B978-4C93-9257-B2DE286DD793}" type="datetimeFigureOut">
               <a:rPr lang="en-US" smtClean="0"/>
-              <a:t>2/16/2023</a:t>
+              <a:t>2/17/2023</a:t>
             </a:fld>
             <a:endParaRPr lang="en-US"/>
           </a:p>
@@ -3829,7 +3834,7 @@
           <a:p>
             <a:fld id="{014B5B4B-B978-4C93-9257-B2DE286DD793}" type="datetimeFigureOut">
               <a:rPr lang="en-US" smtClean="0"/>
-              <a:t>2/16/2023</a:t>
+              <a:t>2/17/2023</a:t>
             </a:fld>
             <a:endParaRPr lang="en-US"/>
           </a:p>
@@ -3952,7 +3957,7 @@
           <a:p>
             <a:fld id="{014B5B4B-B978-4C93-9257-B2DE286DD793}" type="datetimeFigureOut">
               <a:rPr lang="en-US" smtClean="0"/>
-              <a:t>2/16/2023</a:t>
+              <a:t>2/17/2023</a:t>
             </a:fld>
             <a:endParaRPr lang="en-US"/>
           </a:p>
@@ -4047,7 +4052,7 @@
           <a:p>
             <a:fld id="{014B5B4B-B978-4C93-9257-B2DE286DD793}" type="datetimeFigureOut">
               <a:rPr lang="en-US" smtClean="0"/>
-              <a:t>2/16/2023</a:t>
+              <a:t>2/17/2023</a:t>
             </a:fld>
             <a:endParaRPr lang="en-US"/>
           </a:p>
@@ -4302,7 +4307,7 @@
           <a:p>
             <a:fld id="{014B5B4B-B978-4C93-9257-B2DE286DD793}" type="datetimeFigureOut">
               <a:rPr lang="en-US" smtClean="0"/>
-              <a:t>2/16/2023</a:t>
+              <a:t>2/17/2023</a:t>
             </a:fld>
             <a:endParaRPr lang="en-US"/>
           </a:p>
@@ -4565,7 +4570,7 @@
           <a:p>
             <a:fld id="{014B5B4B-B978-4C93-9257-B2DE286DD793}" type="datetimeFigureOut">
               <a:rPr lang="en-US" smtClean="0"/>
-              <a:t>2/16/2023</a:t>
+              <a:t>2/17/2023</a:t>
             </a:fld>
             <a:endParaRPr lang="en-US"/>
           </a:p>
@@ -5308,7 +5313,7 @@
           <a:p>
             <a:fld id="{014B5B4B-B978-4C93-9257-B2DE286DD793}" type="datetimeFigureOut">
               <a:rPr lang="en-US" smtClean="0"/>
-              <a:t>2/16/2023</a:t>
+              <a:t>2/17/2023</a:t>
             </a:fld>
             <a:endParaRPr lang="en-US"/>
           </a:p>
@@ -5975,7 +5980,7 @@
           <a:p>
             <a:r>
               <a:rPr lang="en-US" dirty="0"/>
-              <a:t>Advantages / Cons</a:t>
+              <a:t>Pros / Cons</a:t>
             </a:r>
           </a:p>
           <a:p>
@@ -6148,7 +6153,7 @@
           <a:p>
             <a:r>
               <a:rPr lang="en-US" dirty="0"/>
-              <a:t>Advantages / Cons</a:t>
+              <a:t>Pros / Cons</a:t>
             </a:r>
           </a:p>
         </p:txBody>
